--- a/nic_cage_presentation.pptx
+++ b/nic_cage_presentation.pptx
@@ -108,6 +108,22 @@
       </a:defRPr>
     </a:lvl9pPr>
   </p:defaultTextStyle>
+  <p:extLst>
+    <p:ext uri="{EFAFB233-063F-42B5-8137-9DF3F51BA10A}">
+      <p15:sldGuideLst xmlns:p15="http://schemas.microsoft.com/office/powerpoint/2012/main">
+        <p15:guide id="1" orient="horz" pos="2160">
+          <p15:clr>
+            <a:srgbClr val="A4A3A4"/>
+          </p15:clr>
+        </p15:guide>
+        <p15:guide id="2" pos="2880">
+          <p15:clr>
+            <a:srgbClr val="A4A3A4"/>
+          </p15:clr>
+        </p15:guide>
+      </p15:sldGuideLst>
+    </p:ext>
+  </p:extLst>
 </p:presentation>
 </file>
 
@@ -292,7 +308,7 @@
           <a:p>
             <a:fld id="{6BFECD78-3C8E-49F2-8FAB-59489D168ABB}" type="datetimeFigureOut">
               <a:rPr lang="en-US" smtClean="0"/>
-              <a:t>12/4/14</a:t>
+              <a:t>12/5/2014</a:t>
             </a:fld>
             <a:endParaRPr lang="en-US"/>
           </a:p>
@@ -462,7 +478,7 @@
           <a:p>
             <a:fld id="{6BFECD78-3C8E-49F2-8FAB-59489D168ABB}" type="datetimeFigureOut">
               <a:rPr lang="en-US" smtClean="0"/>
-              <a:t>12/4/14</a:t>
+              <a:t>12/5/2014</a:t>
             </a:fld>
             <a:endParaRPr lang="en-US"/>
           </a:p>
@@ -642,7 +658,7 @@
           <a:p>
             <a:fld id="{6BFECD78-3C8E-49F2-8FAB-59489D168ABB}" type="datetimeFigureOut">
               <a:rPr lang="en-US" smtClean="0"/>
-              <a:t>12/4/14</a:t>
+              <a:t>12/5/2014</a:t>
             </a:fld>
             <a:endParaRPr lang="en-US"/>
           </a:p>
@@ -812,7 +828,7 @@
           <a:p>
             <a:fld id="{6BFECD78-3C8E-49F2-8FAB-59489D168ABB}" type="datetimeFigureOut">
               <a:rPr lang="en-US" smtClean="0"/>
-              <a:t>12/4/14</a:t>
+              <a:t>12/5/2014</a:t>
             </a:fld>
             <a:endParaRPr lang="en-US"/>
           </a:p>
@@ -1058,7 +1074,7 @@
           <a:p>
             <a:fld id="{6BFECD78-3C8E-49F2-8FAB-59489D168ABB}" type="datetimeFigureOut">
               <a:rPr lang="en-US" smtClean="0"/>
-              <a:t>12/4/14</a:t>
+              <a:t>12/5/2014</a:t>
             </a:fld>
             <a:endParaRPr lang="en-US"/>
           </a:p>
@@ -1346,7 +1362,7 @@
           <a:p>
             <a:fld id="{6BFECD78-3C8E-49F2-8FAB-59489D168ABB}" type="datetimeFigureOut">
               <a:rPr lang="en-US" smtClean="0"/>
-              <a:t>12/4/14</a:t>
+              <a:t>12/5/2014</a:t>
             </a:fld>
             <a:endParaRPr lang="en-US"/>
           </a:p>
@@ -1768,7 +1784,7 @@
           <a:p>
             <a:fld id="{6BFECD78-3C8E-49F2-8FAB-59489D168ABB}" type="datetimeFigureOut">
               <a:rPr lang="en-US" smtClean="0"/>
-              <a:t>12/4/14</a:t>
+              <a:t>12/5/2014</a:t>
             </a:fld>
             <a:endParaRPr lang="en-US"/>
           </a:p>
@@ -1886,7 +1902,7 @@
           <a:p>
             <a:fld id="{6BFECD78-3C8E-49F2-8FAB-59489D168ABB}" type="datetimeFigureOut">
               <a:rPr lang="en-US" smtClean="0"/>
-              <a:t>12/4/14</a:t>
+              <a:t>12/5/2014</a:t>
             </a:fld>
             <a:endParaRPr lang="en-US"/>
           </a:p>
@@ -1981,7 +1997,7 @@
           <a:p>
             <a:fld id="{6BFECD78-3C8E-49F2-8FAB-59489D168ABB}" type="datetimeFigureOut">
               <a:rPr lang="en-US" smtClean="0"/>
-              <a:t>12/4/14</a:t>
+              <a:t>12/5/2014</a:t>
             </a:fld>
             <a:endParaRPr lang="en-US"/>
           </a:p>
@@ -2258,7 +2274,7 @@
           <a:p>
             <a:fld id="{6BFECD78-3C8E-49F2-8FAB-59489D168ABB}" type="datetimeFigureOut">
               <a:rPr lang="en-US" smtClean="0"/>
-              <a:t>12/4/14</a:t>
+              <a:t>12/5/2014</a:t>
             </a:fld>
             <a:endParaRPr lang="en-US"/>
           </a:p>
@@ -2515,7 +2531,7 @@
           <a:p>
             <a:fld id="{6BFECD78-3C8E-49F2-8FAB-59489D168ABB}" type="datetimeFigureOut">
               <a:rPr lang="en-US" smtClean="0"/>
-              <a:t>12/4/14</a:t>
+              <a:t>12/5/2014</a:t>
             </a:fld>
             <a:endParaRPr lang="en-US"/>
           </a:p>
@@ -2728,7 +2744,7 @@
           <a:p>
             <a:fld id="{6BFECD78-3C8E-49F2-8FAB-59489D168ABB}" type="datetimeFigureOut">
               <a:rPr lang="en-US" smtClean="0"/>
-              <a:t>12/4/14</a:t>
+              <a:t>12/5/2014</a:t>
             </a:fld>
             <a:endParaRPr lang="en-US"/>
           </a:p>
@@ -3167,7 +3183,7 @@
           <p:nvPr/>
         </p:nvPicPr>
         <p:blipFill>
-          <a:blip r:embed="rId2">
+          <a:blip r:embed="rId2" cstate="email">
             <a:alphaModFix amt="50000"/>
             <a:extLst>
               <a:ext uri="{28A0092B-C50C-407E-A947-70E740481C1C}">
@@ -3350,7 +3366,7 @@
           <p:nvPr/>
         </p:nvPicPr>
         <p:blipFill>
-          <a:blip r:embed="rId2" cstate="print">
+          <a:blip r:embed="rId2" cstate="email">
             <a:extLst>
               <a:ext uri="{28A0092B-C50C-407E-A947-70E740481C1C}">
                 <a14:useLocalDpi xmlns:a14="http://schemas.microsoft.com/office/drawing/2010/main" val="0"/>
@@ -3439,6 +3455,36 @@
           <a:bodyPr/>
           <a:lstStyle/>
           <a:p>
+            <a:r>
+              <a:rPr lang="en-US" dirty="0" smtClean="0"/>
+              <a:t>Organizing our schedules to meet each other</a:t>
+            </a:r>
+          </a:p>
+          <a:p>
+            <a:r>
+              <a:rPr lang="en-US" dirty="0" smtClean="0"/>
+              <a:t>Timing of the keys for the ABC’s game</a:t>
+            </a:r>
+          </a:p>
+          <a:p>
+            <a:r>
+              <a:rPr lang="en-US" dirty="0" err="1" smtClean="0"/>
+              <a:t>ShakeSensor</a:t>
+            </a:r>
+            <a:r>
+              <a:rPr lang="en-US" dirty="0"/>
+              <a:t> </a:t>
+            </a:r>
+            <a:r>
+              <a:rPr lang="en-US" dirty="0" smtClean="0"/>
+              <a:t>for the Rattle The Cage Game, getting the vibrations/timing for sounds correct</a:t>
+            </a:r>
+          </a:p>
+          <a:p>
+            <a:r>
+              <a:rPr lang="en-US" dirty="0" smtClean="0"/>
+              <a:t>Scores Page</a:t>
+            </a:r>
             <a:endParaRPr lang="en-US" dirty="0"/>
           </a:p>
         </p:txBody>
